--- a/Grand Oral/Génération_Labyrinthe/TSI_Generation_Labyrinthe.pptx
+++ b/Grand Oral/Génération_Labyrinthe/TSI_Generation_Labyrinthe.pptx
@@ -2508,7 +2508,7 @@
             <a:fld id="{4EC743F4-8769-40B4-85DF-6CB8DE9F66AA}" type="datetimeFigureOut">
               <a:rPr lang="en-US" smtClean="0"/>
               <a:pPr/>
-              <a:t>10/8/2023</a:t>
+              <a:t>2/3/2026</a:t>
             </a:fld>
             <a:endParaRPr lang="en-US" dirty="0"/>
           </a:p>
@@ -2848,7 +2848,7 @@
             <a:fld id="{4EC743F4-8769-40B4-85DF-6CB8DE9F66AA}" type="datetimeFigureOut">
               <a:rPr lang="en-US" smtClean="0"/>
               <a:pPr/>
-              <a:t>10/8/2023</a:t>
+              <a:t>2/3/2026</a:t>
             </a:fld>
             <a:endParaRPr lang="en-US" dirty="0"/>
           </a:p>
@@ -3251,7 +3251,7 @@
             <a:fld id="{4EC743F4-8769-40B4-85DF-6CB8DE9F66AA}" type="datetimeFigureOut">
               <a:rPr lang="en-US" smtClean="0"/>
               <a:pPr/>
-              <a:t>10/8/2023</a:t>
+              <a:t>2/3/2026</a:t>
             </a:fld>
             <a:endParaRPr lang="en-US" dirty="0"/>
           </a:p>
@@ -3589,7 +3589,7 @@
             <a:fld id="{4EC743F4-8769-40B4-85DF-6CB8DE9F66AA}" type="datetimeFigureOut">
               <a:rPr lang="en-US" smtClean="0"/>
               <a:pPr/>
-              <a:t>10/8/2023</a:t>
+              <a:t>2/3/2026</a:t>
             </a:fld>
             <a:endParaRPr lang="en-US" dirty="0"/>
           </a:p>
@@ -3911,7 +3911,7 @@
             <a:fld id="{4EC743F4-8769-40B4-85DF-6CB8DE9F66AA}" type="datetimeFigureOut">
               <a:rPr lang="en-US" smtClean="0"/>
               <a:pPr/>
-              <a:t>10/8/2023</a:t>
+              <a:t>2/3/2026</a:t>
             </a:fld>
             <a:endParaRPr lang="en-US" dirty="0"/>
           </a:p>
@@ -4309,7 +4309,7 @@
             <a:fld id="{4EC743F4-8769-40B4-85DF-6CB8DE9F66AA}" type="datetimeFigureOut">
               <a:rPr lang="en-US" smtClean="0"/>
               <a:pPr/>
-              <a:t>10/8/2023</a:t>
+              <a:t>2/3/2026</a:t>
             </a:fld>
             <a:endParaRPr lang="en-US" dirty="0"/>
           </a:p>
@@ -4568,7 +4568,7 @@
             <a:fld id="{4EC743F4-8769-40B4-85DF-6CB8DE9F66AA}" type="datetimeFigureOut">
               <a:rPr lang="en-US" smtClean="0"/>
               <a:pPr/>
-              <a:t>10/8/2023</a:t>
+              <a:t>2/3/2026</a:t>
             </a:fld>
             <a:endParaRPr lang="en-US" dirty="0"/>
           </a:p>
@@ -4832,7 +4832,7 @@
             <a:fld id="{4EC743F4-8769-40B4-85DF-6CB8DE9F66AA}" type="datetimeFigureOut">
               <a:rPr lang="en-US" smtClean="0"/>
               <a:pPr/>
-              <a:t>10/8/2023</a:t>
+              <a:t>2/3/2026</a:t>
             </a:fld>
             <a:endParaRPr lang="en-US" dirty="0"/>
           </a:p>
@@ -5096,7 +5096,7 @@
             <a:fld id="{4EC743F4-8769-40B4-85DF-6CB8DE9F66AA}" type="datetimeFigureOut">
               <a:rPr lang="en-US" smtClean="0"/>
               <a:pPr/>
-              <a:t>10/8/2023</a:t>
+              <a:t>2/3/2026</a:t>
             </a:fld>
             <a:endParaRPr lang="en-US" dirty="0"/>
           </a:p>
@@ -5427,7 +5427,7 @@
             <a:fld id="{4EC743F4-8769-40B4-85DF-6CB8DE9F66AA}" type="datetimeFigureOut">
               <a:rPr lang="en-US" smtClean="0"/>
               <a:pPr/>
-              <a:t>10/8/2023</a:t>
+              <a:t>2/3/2026</a:t>
             </a:fld>
             <a:endParaRPr lang="en-US" dirty="0"/>
           </a:p>
@@ -5752,7 +5752,7 @@
             <a:fld id="{4EC743F4-8769-40B4-85DF-6CB8DE9F66AA}" type="datetimeFigureOut">
               <a:rPr lang="en-US" smtClean="0"/>
               <a:pPr/>
-              <a:t>10/8/2023</a:t>
+              <a:t>2/3/2026</a:t>
             </a:fld>
             <a:endParaRPr lang="en-US" dirty="0"/>
           </a:p>
@@ -6211,7 +6211,7 @@
             <a:fld id="{4EC743F4-8769-40B4-85DF-6CB8DE9F66AA}" type="datetimeFigureOut">
               <a:rPr lang="en-US" smtClean="0"/>
               <a:pPr/>
-              <a:t>10/8/2023</a:t>
+              <a:t>2/3/2026</a:t>
             </a:fld>
             <a:endParaRPr lang="en-US" dirty="0"/>
           </a:p>
@@ -6418,7 +6418,7 @@
             <a:fld id="{4EC743F4-8769-40B4-85DF-6CB8DE9F66AA}" type="datetimeFigureOut">
               <a:rPr lang="en-US" smtClean="0"/>
               <a:pPr/>
-              <a:t>10/8/2023</a:t>
+              <a:t>2/3/2026</a:t>
             </a:fld>
             <a:endParaRPr lang="en-US" dirty="0"/>
           </a:p>
@@ -6597,7 +6597,7 @@
             <a:fld id="{4EC743F4-8769-40B4-85DF-6CB8DE9F66AA}" type="datetimeFigureOut">
               <a:rPr lang="en-US" smtClean="0"/>
               <a:pPr/>
-              <a:t>10/8/2023</a:t>
+              <a:t>2/3/2026</a:t>
             </a:fld>
             <a:endParaRPr lang="en-US" dirty="0"/>
           </a:p>
@@ -6932,7 +6932,7 @@
             <a:fld id="{4EC743F4-8769-40B4-85DF-6CB8DE9F66AA}" type="datetimeFigureOut">
               <a:rPr lang="en-US" smtClean="0"/>
               <a:pPr/>
-              <a:t>10/8/2023</a:t>
+              <a:t>2/3/2026</a:t>
             </a:fld>
             <a:endParaRPr lang="en-US" dirty="0"/>
           </a:p>
@@ -7279,7 +7279,7 @@
             <a:fld id="{4EC743F4-8769-40B4-85DF-6CB8DE9F66AA}" type="datetimeFigureOut">
               <a:rPr lang="en-US" smtClean="0"/>
               <a:pPr/>
-              <a:t>10/8/2023</a:t>
+              <a:t>2/3/2026</a:t>
             </a:fld>
             <a:endParaRPr lang="en-US" dirty="0"/>
           </a:p>
@@ -9398,7 +9398,7 @@
             <a:fld id="{4EC743F4-8769-40B4-85DF-6CB8DE9F66AA}" type="datetimeFigureOut">
               <a:rPr lang="en-US" smtClean="0"/>
               <a:pPr/>
-              <a:t>10/8/2023</a:t>
+              <a:t>2/3/2026</a:t>
             </a:fld>
             <a:endParaRPr lang="en-US" dirty="0"/>
           </a:p>
@@ -9962,12 +9962,24 @@
               <a:rPr lang="en-US" sz="4800" b="1" u="sng" dirty="0"/>
               <a:t>Grand Oral</a:t>
             </a:r>
+            <a:r>
+              <a:rPr lang="en-US" sz="4800" b="1" dirty="0"/>
+              <a:t/>
+            </a:r>
             <a:br>
               <a:rPr lang="en-US" sz="4800" b="1" dirty="0"/>
             </a:br>
+            <a:r>
+              <a:rPr lang="en-US" sz="4800" b="1" dirty="0"/>
+              <a:t/>
+            </a:r>
             <a:br>
               <a:rPr lang="en-US" sz="4800" b="1" dirty="0"/>
             </a:br>
+            <a:r>
+              <a:rPr lang="en-US" sz="4800" b="1" dirty="0"/>
+              <a:t/>
+            </a:r>
             <a:br>
               <a:rPr lang="en-US" sz="4800" b="1" dirty="0"/>
             </a:br>
@@ -14528,7 +14540,7 @@
                 <a:hlinkClick r:id="rId2">
                   <a:extLst>
                     <a:ext uri="{A12FA001-AC4F-418D-AE19-62706E023703}">
-                      <ahyp:hlinkClr xmlns:ahyp="http://schemas.microsoft.com/office/drawing/2018/hyperlinkcolor" val="tx"/>
+                      <ahyp:hlinkClr xmlns:ahyp="http://schemas.microsoft.com/office/drawing/2018/hyperlinkcolor" xmlns="" val="tx"/>
                     </a:ext>
                   </a:extLst>
                 </a:hlinkClick>
@@ -14821,27 +14833,42 @@
               <a:t> </a:t>
             </a:r>
             <a:r>
-              <a:rPr lang="fr-FR" sz="2400" b="1" dirty="0">
+              <a:rPr lang="fr-FR" sz="2400" b="1">
                 <a:solidFill>
                   <a:srgbClr val="0070C0"/>
                 </a:solidFill>
-                <a:hlinkClick r:id="rId2">
-                  <a:extLst>
-                    <a:ext uri="{A12FA001-AC4F-418D-AE19-62706E023703}">
-                      <ahyp:hlinkClr xmlns:ahyp="http://schemas.microsoft.com/office/drawing/2018/hyperlinkcolor" val="tx"/>
-                    </a:ext>
-                  </a:extLst>
-                </a:hlinkClick>
+                <a:hlinkClick r:id="rId2"/>
               </a:rPr>
-              <a:t>Lien ici</a:t>
-            </a:r>
-            <a:endParaRPr lang="fr-FR" sz="2400" b="1" dirty="0">
+              <a:t>https</a:t>
+            </a:r>
+            <a:r>
+              <a:rPr lang="fr-FR" sz="2400" b="1">
+                <a:solidFill>
+                  <a:srgbClr val="0070C0"/>
+                </a:solidFill>
+                <a:hlinkClick r:id="rId2"/>
+              </a:rPr>
+              <a:t>://</a:t>
+            </a:r>
+            <a:r>
+              <a:rPr lang="fr-FR" sz="2400" b="1" smtClean="0">
+                <a:solidFill>
+                  <a:srgbClr val="0070C0"/>
+                </a:solidFill>
+                <a:hlinkClick r:id="rId2"/>
+              </a:rPr>
+              <a:t>www.youtube.com/watch?v=U_itW96NnQ0</a:t>
+            </a:r>
+            <a:endParaRPr lang="fr-FR" sz="2400" b="1" smtClean="0">
               <a:solidFill>
                 <a:srgbClr val="0070C0"/>
               </a:solidFill>
             </a:endParaRPr>
           </a:p>
           <a:p>
+            <a:pPr marL="0" indent="0">
+              <a:buNone/>
+            </a:pPr>
             <a:endParaRPr lang="fr-FR" sz="2400" b="1" dirty="0">
               <a:solidFill>
                 <a:srgbClr val="0070C0"/>
@@ -14878,7 +14905,7 @@
                 <a:hlinkClick r:id="rId3">
                   <a:extLst>
                     <a:ext uri="{A12FA001-AC4F-418D-AE19-62706E023703}">
-                      <ahyp:hlinkClr xmlns:ahyp="http://schemas.microsoft.com/office/drawing/2018/hyperlinkcolor" val="tx"/>
+                      <ahyp:hlinkClr xmlns:ahyp="http://schemas.microsoft.com/office/drawing/2018/hyperlinkcolor" xmlns="" val="tx"/>
                     </a:ext>
                   </a:extLst>
                 </a:hlinkClick>
@@ -15367,6 +15394,13 @@
   <p:clrMapOvr>
     <a:masterClrMapping/>
   </p:clrMapOvr>
+  <p:timing>
+    <p:tnLst>
+      <p:par>
+        <p:cTn id="1" dur="indefinite" restart="never" nodeType="tmRoot"/>
+      </p:par>
+    </p:tnLst>
+  </p:timing>
 </p:sld>
 </file>
 
@@ -15480,7 +15514,7 @@
                 <a:hlinkClick r:id="rId2">
                   <a:extLst>
                     <a:ext uri="{A12FA001-AC4F-418D-AE19-62706E023703}">
-                      <ahyp:hlinkClr xmlns:ahyp="http://schemas.microsoft.com/office/drawing/2018/hyperlinkcolor" val="tx"/>
+                      <ahyp:hlinkClr xmlns:ahyp="http://schemas.microsoft.com/office/drawing/2018/hyperlinkcolor" xmlns="" val="tx"/>
                     </a:ext>
                   </a:extLst>
                 </a:hlinkClick>
@@ -15515,7 +15549,7 @@
                 <a:hlinkClick r:id="rId3">
                   <a:extLst>
                     <a:ext uri="{A12FA001-AC4F-418D-AE19-62706E023703}">
-                      <ahyp:hlinkClr xmlns:ahyp="http://schemas.microsoft.com/office/drawing/2018/hyperlinkcolor" val="tx"/>
+                      <ahyp:hlinkClr xmlns:ahyp="http://schemas.microsoft.com/office/drawing/2018/hyperlinkcolor" xmlns="" val="tx"/>
                     </a:ext>
                   </a:extLst>
                 </a:hlinkClick>
@@ -15605,8 +15639,24 @@
               <a:t>Génération aléatoire de niveaux </a:t>
             </a:r>
             <a:r>
+              <a:rPr lang="fr-FR" sz="2400" b="1" dirty="0" smtClean="0"/>
+              <a:t>(</a:t>
+            </a:r>
+            <a:r>
+              <a:rPr lang="fr-FR" sz="2400" b="1" dirty="0" err="1" smtClean="0"/>
+              <a:t>dongeons</a:t>
+            </a:r>
+            <a:r>
+              <a:rPr lang="fr-FR" sz="2400" b="1" dirty="0" smtClean="0"/>
+              <a:t>) </a:t>
+            </a:r>
+            <a:r>
+              <a:rPr lang="fr-FR" sz="2400" dirty="0" smtClean="0"/>
+              <a:t>dans </a:t>
+            </a:r>
+            <a:r>
               <a:rPr lang="fr-FR" sz="2400" dirty="0"/>
-              <a:t>dans certains jeux vidéos (Rogue-like). Assure la longévité du jeu </a:t>
+              <a:t>certains jeux vidéos (Rogue-like). Assure la longévité du jeu </a:t>
             </a:r>
             <a:r>
               <a:rPr lang="fr-FR" sz="2400" dirty="0">
@@ -15625,34 +15675,10 @@
               <a:t>     </a:t>
             </a:r>
             <a:r>
-              <a:rPr lang="fr-FR" sz="2400" b="1" dirty="0">
-                <a:solidFill>
-                  <a:srgbClr val="0070C0"/>
-                </a:solidFill>
-                <a:hlinkClick r:id="rId4">
-                  <a:extLst>
-                    <a:ext uri="{A12FA001-AC4F-418D-AE19-62706E023703}">
-                      <ahyp:hlinkClr xmlns:ahyp="http://schemas.microsoft.com/office/drawing/2018/hyperlinkcolor" val="tx"/>
-                    </a:ext>
-                  </a:extLst>
-                </a:hlinkClick>
-              </a:rPr>
-              <a:t>Lien ici</a:t>
-            </a:r>
-            <a:endParaRPr lang="fr-FR" sz="2400" b="1" dirty="0">
-              <a:solidFill>
-                <a:srgbClr val="0070C0"/>
-              </a:solidFill>
-            </a:endParaRPr>
-          </a:p>
-          <a:p>
-            <a:pPr marL="0" indent="0">
-              <a:buNone/>
-            </a:pPr>
-            <a:r>
-              <a:rPr lang="fr-FR" sz="2400" dirty="0"/>
+              <a:rPr lang="fr-FR" sz="2400" dirty="0" smtClean="0"/>
               <a:t>     </a:t>
             </a:r>
+            <a:endParaRPr lang="fr-FR" sz="2400" dirty="0"/>
           </a:p>
           <a:p>
             <a:pPr>
@@ -15687,6 +15713,13 @@
   <p:clrMapOvr>
     <a:masterClrMapping/>
   </p:clrMapOvr>
+  <p:timing>
+    <p:tnLst>
+      <p:par>
+        <p:cTn id="1" dur="indefinite" restart="never" nodeType="tmRoot"/>
+      </p:par>
+    </p:tnLst>
+  </p:timing>
 </p:sld>
 </file>
 
@@ -15822,29 +15855,26 @@
                 <a:solidFill>
                   <a:srgbClr val="0070C0"/>
                 </a:solidFill>
-                <a:hlinkClick r:id="rId2">
-                  <a:extLst>
-                    <a:ext uri="{A12FA001-AC4F-418D-AE19-62706E023703}">
-                      <ahyp:hlinkClr xmlns:ahyp="http://schemas.microsoft.com/office/drawing/2018/hyperlinkcolor" val="tx"/>
-                    </a:ext>
-                  </a:extLst>
-                </a:hlinkClick>
+                <a:hlinkClick r:id="rId2"/>
               </a:rPr>
-              <a:t>Lien vidéo ici</a:t>
-            </a:r>
-            <a:r>
-              <a:rPr lang="fr-FR" sz="2400" b="1" dirty="0">
+              <a:t>https://</a:t>
+            </a:r>
+            <a:r>
+              <a:rPr lang="fr-FR" sz="2400" b="1" dirty="0" smtClean="0">
                 <a:solidFill>
                   <a:srgbClr val="0070C0"/>
                 </a:solidFill>
+                <a:hlinkClick r:id="rId2"/>
               </a:rPr>
-              <a:t> </a:t>
-            </a:r>
-          </a:p>
-          <a:p>
-            <a:pPr marL="0" indent="0">
-              <a:buNone/>
-            </a:pPr>
+              <a:t>www.youtube.com/watch?v=I0uiQyAs5G4</a:t>
+            </a:r>
+            <a:endParaRPr lang="fr-FR" sz="2400" b="1" dirty="0" smtClean="0">
+              <a:solidFill>
+                <a:srgbClr val="0070C0"/>
+              </a:solidFill>
+            </a:endParaRPr>
+          </a:p>
+          <a:p>
             <a:endParaRPr lang="fr-FR" dirty="0"/>
           </a:p>
         </p:txBody>
@@ -15859,6 +15889,13 @@
   <p:clrMapOvr>
     <a:masterClrMapping/>
   </p:clrMapOvr>
+  <p:timing>
+    <p:tnLst>
+      <p:par>
+        <p:cTn id="1" dur="indefinite" restart="never" nodeType="tmRoot"/>
+      </p:par>
+    </p:tnLst>
+  </p:timing>
 </p:sld>
 </file>
 
@@ -16092,6 +16129,13 @@
   <p:clrMapOvr>
     <a:masterClrMapping/>
   </p:clrMapOvr>
+  <p:timing>
+    <p:tnLst>
+      <p:par>
+        <p:cTn id="1" dur="indefinite" restart="never" nodeType="tmRoot"/>
+      </p:par>
+    </p:tnLst>
+  </p:timing>
 </p:sld>
 </file>
 
@@ -16146,7 +16190,7 @@
                 <a16:creationId xmlns:a16="http://schemas.microsoft.com/office/drawing/2014/main" id="{7398C59F-5A18-487B-91D6-B955AACF2E50}"/>
               </a:ext>
               <a:ext uri="{C183D7F6-B498-43B3-948B-1728B52AA6E4}">
-                <adec:decorative xmlns:adec="http://schemas.microsoft.com/office/drawing/2017/decorative" val="1"/>
+                <adec:decorative xmlns:adec="http://schemas.microsoft.com/office/drawing/2017/decorative" xmlns="" val="1"/>
               </a:ext>
             </a:extLst>
           </p:cNvPr>
@@ -16177,7 +16221,7 @@
                   <a16:creationId xmlns:a16="http://schemas.microsoft.com/office/drawing/2014/main" id="{0557FAFE-C7C3-47EC-A4F5-9B2166319209}"/>
                 </a:ext>
                 <a:ext uri="{C183D7F6-B498-43B3-948B-1728B52AA6E4}">
-                  <adec:decorative xmlns:adec="http://schemas.microsoft.com/office/drawing/2017/decorative" val="1"/>
+                  <adec:decorative xmlns:adec="http://schemas.microsoft.com/office/drawing/2017/decorative" xmlns="" val="1"/>
                 </a:ext>
               </a:extLst>
             </p:cNvPr>
@@ -16260,7 +16304,7 @@
                   <a16:creationId xmlns:a16="http://schemas.microsoft.com/office/drawing/2014/main" id="{95BC28FB-3882-4674-9D79-EA58BEB7CEB1}"/>
                 </a:ext>
                 <a:ext uri="{C183D7F6-B498-43B3-948B-1728B52AA6E4}">
-                  <adec:decorative xmlns:adec="http://schemas.microsoft.com/office/drawing/2017/decorative" val="1"/>
+                  <adec:decorative xmlns:adec="http://schemas.microsoft.com/office/drawing/2017/decorative" xmlns="" val="1"/>
                 </a:ext>
               </a:extLst>
             </p:cNvPr>
@@ -16348,7 +16392,7 @@
                   <a16:creationId xmlns:a16="http://schemas.microsoft.com/office/drawing/2014/main" id="{9C6EC892-83F9-402F-8552-0AD7C0556EBC}"/>
                 </a:ext>
                 <a:ext uri="{C183D7F6-B498-43B3-948B-1728B52AA6E4}">
-                  <adec:decorative xmlns:adec="http://schemas.microsoft.com/office/drawing/2017/decorative" val="1"/>
+                  <adec:decorative xmlns:adec="http://schemas.microsoft.com/office/drawing/2017/decorative" xmlns="" val="1"/>
                 </a:ext>
               </a:extLst>
             </p:cNvPr>
@@ -16441,7 +16485,7 @@
                   <a16:creationId xmlns:a16="http://schemas.microsoft.com/office/drawing/2014/main" id="{18387766-037C-4EF0-8471-D19CBF2A431F}"/>
                 </a:ext>
                 <a:ext uri="{C183D7F6-B498-43B3-948B-1728B52AA6E4}">
-                  <adec:decorative xmlns:adec="http://schemas.microsoft.com/office/drawing/2017/decorative" val="1"/>
+                  <adec:decorative xmlns:adec="http://schemas.microsoft.com/office/drawing/2017/decorative" xmlns="" val="1"/>
                 </a:ext>
               </a:extLst>
             </p:cNvPr>
@@ -16514,7 +16558,7 @@
                   <a16:creationId xmlns:a16="http://schemas.microsoft.com/office/drawing/2014/main" id="{1E364F38-6F3A-476A-93E6-962EA817C427}"/>
                 </a:ext>
                 <a:ext uri="{C183D7F6-B498-43B3-948B-1728B52AA6E4}">
-                  <adec:decorative xmlns:adec="http://schemas.microsoft.com/office/drawing/2017/decorative" val="1"/>
+                  <adec:decorative xmlns:adec="http://schemas.microsoft.com/office/drawing/2017/decorative" xmlns="" val="1"/>
                 </a:ext>
               </a:extLst>
             </p:cNvPr>
@@ -16622,7 +16666,7 @@
                   <a16:creationId xmlns:a16="http://schemas.microsoft.com/office/drawing/2014/main" id="{35C335A4-1E67-4293-8BE2-DFB085D4FBBC}"/>
                 </a:ext>
                 <a:ext uri="{C183D7F6-B498-43B3-948B-1728B52AA6E4}">
-                  <adec:decorative xmlns:adec="http://schemas.microsoft.com/office/drawing/2017/decorative" val="1"/>
+                  <adec:decorative xmlns:adec="http://schemas.microsoft.com/office/drawing/2017/decorative" xmlns="" val="1"/>
                 </a:ext>
               </a:extLst>
             </p:cNvPr>
@@ -16725,7 +16769,7 @@
                   <a16:creationId xmlns:a16="http://schemas.microsoft.com/office/drawing/2014/main" id="{9A8A0F10-2C98-4297-9F92-5D95533927BD}"/>
                 </a:ext>
                 <a:ext uri="{C183D7F6-B498-43B3-948B-1728B52AA6E4}">
-                  <adec:decorative xmlns:adec="http://schemas.microsoft.com/office/drawing/2017/decorative" val="1"/>
+                  <adec:decorative xmlns:adec="http://schemas.microsoft.com/office/drawing/2017/decorative" xmlns="" val="1"/>
                 </a:ext>
               </a:extLst>
             </p:cNvPr>
@@ -16808,7 +16852,7 @@
                   <a16:creationId xmlns:a16="http://schemas.microsoft.com/office/drawing/2014/main" id="{C3B112A3-006E-4008-A778-DB5F6A09D510}"/>
                 </a:ext>
                 <a:ext uri="{C183D7F6-B498-43B3-948B-1728B52AA6E4}">
-                  <adec:decorative xmlns:adec="http://schemas.microsoft.com/office/drawing/2017/decorative" val="1"/>
+                  <adec:decorative xmlns:adec="http://schemas.microsoft.com/office/drawing/2017/decorative" xmlns="" val="1"/>
                 </a:ext>
               </a:extLst>
             </p:cNvPr>
@@ -16911,7 +16955,7 @@
                   <a16:creationId xmlns:a16="http://schemas.microsoft.com/office/drawing/2014/main" id="{E5E62767-5C25-4C49-9568-432433A3C5B7}"/>
                 </a:ext>
                 <a:ext uri="{C183D7F6-B498-43B3-948B-1728B52AA6E4}">
-                  <adec:decorative xmlns:adec="http://schemas.microsoft.com/office/drawing/2017/decorative" val="1"/>
+                  <adec:decorative xmlns:adec="http://schemas.microsoft.com/office/drawing/2017/decorative" xmlns="" val="1"/>
                 </a:ext>
               </a:extLst>
             </p:cNvPr>
@@ -17049,7 +17093,7 @@
                   <a16:creationId xmlns:a16="http://schemas.microsoft.com/office/drawing/2014/main" id="{598EC006-77B1-42BA-B815-66CCB9B170E6}"/>
                 </a:ext>
                 <a:ext uri="{C183D7F6-B498-43B3-948B-1728B52AA6E4}">
-                  <adec:decorative xmlns:adec="http://schemas.microsoft.com/office/drawing/2017/decorative" val="1"/>
+                  <adec:decorative xmlns:adec="http://schemas.microsoft.com/office/drawing/2017/decorative" xmlns="" val="1"/>
                 </a:ext>
               </a:extLst>
             </p:cNvPr>
@@ -17122,7 +17166,7 @@
                   <a16:creationId xmlns:a16="http://schemas.microsoft.com/office/drawing/2014/main" id="{A144ED09-DA06-491D-95A8-AB3DED432959}"/>
                 </a:ext>
                 <a:ext uri="{C183D7F6-B498-43B3-948B-1728B52AA6E4}">
-                  <adec:decorative xmlns:adec="http://schemas.microsoft.com/office/drawing/2017/decorative" val="1"/>
+                  <adec:decorative xmlns:adec="http://schemas.microsoft.com/office/drawing/2017/decorative" xmlns="" val="1"/>
                 </a:ext>
               </a:extLst>
             </p:cNvPr>
@@ -17205,7 +17249,7 @@
                   <a16:creationId xmlns:a16="http://schemas.microsoft.com/office/drawing/2014/main" id="{1CB00BD2-11CD-4A38-8F38-02B0D1105EFB}"/>
                 </a:ext>
                 <a:ext uri="{C183D7F6-B498-43B3-948B-1728B52AA6E4}">
-                  <adec:decorative xmlns:adec="http://schemas.microsoft.com/office/drawing/2017/decorative" val="1"/>
+                  <adec:decorative xmlns:adec="http://schemas.microsoft.com/office/drawing/2017/decorative" xmlns="" val="1"/>
                 </a:ext>
               </a:extLst>
             </p:cNvPr>
@@ -17299,7 +17343,7 @@
                 <a16:creationId xmlns:a16="http://schemas.microsoft.com/office/drawing/2014/main" id="{520234FB-542E-4550-9C2F-1B56FD41A1CA}"/>
               </a:ext>
               <a:ext uri="{C183D7F6-B498-43B3-948B-1728B52AA6E4}">
-                <adec:decorative xmlns:adec="http://schemas.microsoft.com/office/drawing/2017/decorative" val="1"/>
+                <adec:decorative xmlns:adec="http://schemas.microsoft.com/office/drawing/2017/decorative" xmlns="" val="1"/>
               </a:ext>
             </a:extLst>
           </p:cNvPr>
@@ -17330,7 +17374,7 @@
                   <a16:creationId xmlns:a16="http://schemas.microsoft.com/office/drawing/2014/main" id="{41FCE1F3-DEB3-47CD-90FF-7DABB4AF4540}"/>
                 </a:ext>
                 <a:ext uri="{C183D7F6-B498-43B3-948B-1728B52AA6E4}">
-                  <adec:decorative xmlns:adec="http://schemas.microsoft.com/office/drawing/2017/decorative" val="1"/>
+                  <adec:decorative xmlns:adec="http://schemas.microsoft.com/office/drawing/2017/decorative" xmlns="" val="1"/>
                 </a:ext>
               </a:extLst>
             </p:cNvPr>
@@ -17456,7 +17500,7 @@
                   <a16:creationId xmlns:a16="http://schemas.microsoft.com/office/drawing/2014/main" id="{5708E488-C19B-452C-B197-6F1C34F6E735}"/>
                 </a:ext>
                 <a:ext uri="{C183D7F6-B498-43B3-948B-1728B52AA6E4}">
-                  <adec:decorative xmlns:adec="http://schemas.microsoft.com/office/drawing/2017/decorative" val="1"/>
+                  <adec:decorative xmlns:adec="http://schemas.microsoft.com/office/drawing/2017/decorative" xmlns="" val="1"/>
                 </a:ext>
               </a:extLst>
             </p:cNvPr>
@@ -17547,7 +17591,7 @@
                   <a16:creationId xmlns:a16="http://schemas.microsoft.com/office/drawing/2014/main" id="{89D3FD25-890E-4981-A71D-EE796873D744}"/>
                 </a:ext>
                 <a:ext uri="{C183D7F6-B498-43B3-948B-1728B52AA6E4}">
-                  <adec:decorative xmlns:adec="http://schemas.microsoft.com/office/drawing/2017/decorative" val="1"/>
+                  <adec:decorative xmlns:adec="http://schemas.microsoft.com/office/drawing/2017/decorative" xmlns="" val="1"/>
                 </a:ext>
               </a:extLst>
             </p:cNvPr>
@@ -17638,7 +17682,7 @@
                   <a16:creationId xmlns:a16="http://schemas.microsoft.com/office/drawing/2014/main" id="{51B5414C-556A-47CB-8EE2-974A85A7A4D2}"/>
                 </a:ext>
                 <a:ext uri="{C183D7F6-B498-43B3-948B-1728B52AA6E4}">
-                  <adec:decorative xmlns:adec="http://schemas.microsoft.com/office/drawing/2017/decorative" val="1"/>
+                  <adec:decorative xmlns:adec="http://schemas.microsoft.com/office/drawing/2017/decorative" xmlns="" val="1"/>
                 </a:ext>
               </a:extLst>
             </p:cNvPr>
@@ -17744,7 +17788,7 @@
                   <a16:creationId xmlns:a16="http://schemas.microsoft.com/office/drawing/2014/main" id="{1C02B20C-2B27-4B75-8AEE-A5D2E2674B81}"/>
                 </a:ext>
                 <a:ext uri="{C183D7F6-B498-43B3-948B-1728B52AA6E4}">
-                  <adec:decorative xmlns:adec="http://schemas.microsoft.com/office/drawing/2017/decorative" val="1"/>
+                  <adec:decorative xmlns:adec="http://schemas.microsoft.com/office/drawing/2017/decorative" xmlns="" val="1"/>
                 </a:ext>
               </a:extLst>
             </p:cNvPr>
@@ -17860,7 +17904,7 @@
                   <a16:creationId xmlns:a16="http://schemas.microsoft.com/office/drawing/2014/main" id="{54427714-F9AA-4F93-BD1D-400F1EA93FCA}"/>
                 </a:ext>
                 <a:ext uri="{C183D7F6-B498-43B3-948B-1728B52AA6E4}">
-                  <adec:decorative xmlns:adec="http://schemas.microsoft.com/office/drawing/2017/decorative" val="1"/>
+                  <adec:decorative xmlns:adec="http://schemas.microsoft.com/office/drawing/2017/decorative" xmlns="" val="1"/>
                 </a:ext>
               </a:extLst>
             </p:cNvPr>
@@ -17931,7 +17975,7 @@
                   <a16:creationId xmlns:a16="http://schemas.microsoft.com/office/drawing/2014/main" id="{28A77D6A-9E81-497F-ABCC-2695BB5ADDEC}"/>
                 </a:ext>
                 <a:ext uri="{C183D7F6-B498-43B3-948B-1728B52AA6E4}">
-                  <adec:decorative xmlns:adec="http://schemas.microsoft.com/office/drawing/2017/decorative" val="1"/>
+                  <adec:decorative xmlns:adec="http://schemas.microsoft.com/office/drawing/2017/decorative" xmlns="" val="1"/>
                 </a:ext>
               </a:extLst>
             </p:cNvPr>
@@ -18017,7 +18061,7 @@
                   <a16:creationId xmlns:a16="http://schemas.microsoft.com/office/drawing/2014/main" id="{2A1533BA-1478-4F7C-8E24-3F3E905050E4}"/>
                 </a:ext>
                 <a:ext uri="{C183D7F6-B498-43B3-948B-1728B52AA6E4}">
-                  <adec:decorative xmlns:adec="http://schemas.microsoft.com/office/drawing/2017/decorative" val="1"/>
+                  <adec:decorative xmlns:adec="http://schemas.microsoft.com/office/drawing/2017/decorative" xmlns="" val="1"/>
                 </a:ext>
               </a:extLst>
             </p:cNvPr>
@@ -18148,7 +18192,7 @@
                   <a16:creationId xmlns:a16="http://schemas.microsoft.com/office/drawing/2014/main" id="{39686201-E633-40FD-A80A-1E28AD52E37C}"/>
                 </a:ext>
                 <a:ext uri="{C183D7F6-B498-43B3-948B-1728B52AA6E4}">
-                  <adec:decorative xmlns:adec="http://schemas.microsoft.com/office/drawing/2017/decorative" val="1"/>
+                  <adec:decorative xmlns:adec="http://schemas.microsoft.com/office/drawing/2017/decorative" xmlns="" val="1"/>
                 </a:ext>
               </a:extLst>
             </p:cNvPr>
@@ -18219,7 +18263,7 @@
                   <a16:creationId xmlns:a16="http://schemas.microsoft.com/office/drawing/2014/main" id="{76A215C2-F590-4938-810B-F8A79366CE2B}"/>
                 </a:ext>
                 <a:ext uri="{C183D7F6-B498-43B3-948B-1728B52AA6E4}">
-                  <adec:decorative xmlns:adec="http://schemas.microsoft.com/office/drawing/2017/decorative" val="1"/>
+                  <adec:decorative xmlns:adec="http://schemas.microsoft.com/office/drawing/2017/decorative" xmlns="" val="1"/>
                 </a:ext>
               </a:extLst>
             </p:cNvPr>
@@ -18310,7 +18354,7 @@
                   <a16:creationId xmlns:a16="http://schemas.microsoft.com/office/drawing/2014/main" id="{85F418E7-330D-4002-8EC8-33C1A897FFBF}"/>
                 </a:ext>
                 <a:ext uri="{C183D7F6-B498-43B3-948B-1728B52AA6E4}">
-                  <adec:decorative xmlns:adec="http://schemas.microsoft.com/office/drawing/2017/decorative" val="1"/>
+                  <adec:decorative xmlns:adec="http://schemas.microsoft.com/office/drawing/2017/decorative" xmlns="" val="1"/>
                 </a:ext>
               </a:extLst>
             </p:cNvPr>
@@ -18396,7 +18440,7 @@
                   <a16:creationId xmlns:a16="http://schemas.microsoft.com/office/drawing/2014/main" id="{8FFE669A-54C9-4436-9566-C5A90F16DB40}"/>
                 </a:ext>
                 <a:ext uri="{C183D7F6-B498-43B3-948B-1728B52AA6E4}">
-                  <adec:decorative xmlns:adec="http://schemas.microsoft.com/office/drawing/2017/decorative" val="1"/>
+                  <adec:decorative xmlns:adec="http://schemas.microsoft.com/office/drawing/2017/decorative" xmlns="" val="1"/>
                 </a:ext>
               </a:extLst>
             </p:cNvPr>
@@ -18488,7 +18532,7 @@
                 <a16:creationId xmlns:a16="http://schemas.microsoft.com/office/drawing/2014/main" id="{DE91395A-2D18-4AF6-A0AC-AAA7189FED11}"/>
               </a:ext>
               <a:ext uri="{C183D7F6-B498-43B3-948B-1728B52AA6E4}">
-                <adec:decorative xmlns:adec="http://schemas.microsoft.com/office/drawing/2017/decorative" val="1"/>
+                <adec:decorative xmlns:adec="http://schemas.microsoft.com/office/drawing/2017/decorative" xmlns="" val="1"/>
               </a:ext>
             </a:extLst>
           </p:cNvPr>
@@ -18549,7 +18593,7 @@
                 <a16:creationId xmlns:a16="http://schemas.microsoft.com/office/drawing/2014/main" id="{7BD08880-457D-4C62-A3B5-6A9B0878C7E9}"/>
               </a:ext>
               <a:ext uri="{C183D7F6-B498-43B3-948B-1728B52AA6E4}">
-                <adec:decorative xmlns:adec="http://schemas.microsoft.com/office/drawing/2017/decorative" val="1"/>
+                <adec:decorative xmlns:adec="http://schemas.microsoft.com/office/drawing/2017/decorative" xmlns="" val="1"/>
               </a:ext>
             </a:extLst>
           </p:cNvPr>
